--- a/.readme_docs/Banner_Github_NCPU.pptx
+++ b/.readme_docs/Banner_Github_NCPU.pptx
@@ -112,16 +112,40 @@
 </p:presentation>
 </file>
 
-<file path=ppt/revisionInfo.xml><?xml version="1.0" encoding="utf-8"?>
-<p1510:revInfo xmlns:a="http://schemas.openxmlformats.org/drawingml/2006/main" xmlns:r="http://schemas.openxmlformats.org/officeDocument/2006/relationships" xmlns:p1510="http://schemas.microsoft.com/office/powerpoint/2015/10/main">
-  <p1510:revLst>
-    <p1510:client id="{05905FDB-D48F-4E79-AA8A-F5808E2D8858}" v="1" dt="2023-08-11T22:06:37.543"/>
-  </p1510:revLst>
-</p1510:revInfo>
-</file>
-
 <file path=ppt/changesInfos/changesInfo1.xml><?xml version="1.0" encoding="utf-8"?>
 <pc:chgInfo xmlns:a="http://schemas.openxmlformats.org/drawingml/2006/main" xmlns:r="http://schemas.openxmlformats.org/officeDocument/2006/relationships" xmlns:ac="http://schemas.microsoft.com/office/drawing/2013/main/command" xmlns:pc="http://schemas.microsoft.com/office/powerpoint/2013/main/command">
+  <pc:docChgLst>
+    <pc:chgData name="Guilherme Patriota" userId="72905d894d010fb5" providerId="LiveId" clId="{C9EDAE99-DBB4-47AA-A46A-E45D63654CEE}"/>
+    <pc:docChg chg="modSld">
+      <pc:chgData name="Guilherme Patriota" userId="72905d894d010fb5" providerId="LiveId" clId="{C9EDAE99-DBB4-47AA-A46A-E45D63654CEE}" dt="2023-08-31T23:22:52.663" v="80" actId="20577"/>
+      <pc:docMkLst>
+        <pc:docMk/>
+      </pc:docMkLst>
+      <pc:sldChg chg="modSp mod">
+        <pc:chgData name="Guilherme Patriota" userId="72905d894d010fb5" providerId="LiveId" clId="{C9EDAE99-DBB4-47AA-A46A-E45D63654CEE}" dt="2023-08-31T23:22:52.663" v="80" actId="20577"/>
+        <pc:sldMkLst>
+          <pc:docMk/>
+          <pc:sldMk cId="2012489269" sldId="256"/>
+        </pc:sldMkLst>
+        <pc:spChg chg="mod">
+          <ac:chgData name="Guilherme Patriota" userId="72905d894d010fb5" providerId="LiveId" clId="{C9EDAE99-DBB4-47AA-A46A-E45D63654CEE}" dt="2023-08-31T23:22:32.420" v="65" actId="20577"/>
+          <ac:spMkLst>
+            <pc:docMk/>
+            <pc:sldMk cId="2012489269" sldId="256"/>
+            <ac:spMk id="2" creationId="{BF643AF9-0052-1A58-F36F-696CA02A23E7}"/>
+          </ac:spMkLst>
+        </pc:spChg>
+        <pc:spChg chg="mod">
+          <ac:chgData name="Guilherme Patriota" userId="72905d894d010fb5" providerId="LiveId" clId="{C9EDAE99-DBB4-47AA-A46A-E45D63654CEE}" dt="2023-08-31T23:22:52.663" v="80" actId="20577"/>
+          <ac:spMkLst>
+            <pc:docMk/>
+            <pc:sldMk cId="2012489269" sldId="256"/>
+            <ac:spMk id="6" creationId="{0AF42E7D-7CE3-01CB-D42F-1B05CD74D183}"/>
+          </ac:spMkLst>
+        </pc:spChg>
+      </pc:sldChg>
+    </pc:docChg>
+  </pc:docChgLst>
   <pc:docChgLst>
     <pc:chgData name="Guilherme Patriota" userId="72905d894d010fb5" providerId="LiveId" clId="{05905FDB-D48F-4E79-AA8A-F5808E2D8858}"/>
     <pc:docChg chg="custSel modSld">
@@ -312,7 +336,7 @@
           <a:p>
             <a:fld id="{F6929F03-BFF4-4D7F-B4B7-038F2A57863A}" type="datetimeFigureOut">
               <a:rPr lang="en-CA" smtClean="0"/>
-              <a:t>2023-08-11</a:t>
+              <a:t>2023-08-31</a:t>
             </a:fld>
             <a:endParaRPr lang="en-CA"/>
           </a:p>
@@ -482,7 +506,7 @@
           <a:p>
             <a:fld id="{F6929F03-BFF4-4D7F-B4B7-038F2A57863A}" type="datetimeFigureOut">
               <a:rPr lang="en-CA" smtClean="0"/>
-              <a:t>2023-08-11</a:t>
+              <a:t>2023-08-31</a:t>
             </a:fld>
             <a:endParaRPr lang="en-CA"/>
           </a:p>
@@ -662,7 +686,7 @@
           <a:p>
             <a:fld id="{F6929F03-BFF4-4D7F-B4B7-038F2A57863A}" type="datetimeFigureOut">
               <a:rPr lang="en-CA" smtClean="0"/>
-              <a:t>2023-08-11</a:t>
+              <a:t>2023-08-31</a:t>
             </a:fld>
             <a:endParaRPr lang="en-CA"/>
           </a:p>
@@ -832,7 +856,7 @@
           <a:p>
             <a:fld id="{F6929F03-BFF4-4D7F-B4B7-038F2A57863A}" type="datetimeFigureOut">
               <a:rPr lang="en-CA" smtClean="0"/>
-              <a:t>2023-08-11</a:t>
+              <a:t>2023-08-31</a:t>
             </a:fld>
             <a:endParaRPr lang="en-CA"/>
           </a:p>
@@ -1078,7 +1102,7 @@
           <a:p>
             <a:fld id="{F6929F03-BFF4-4D7F-B4B7-038F2A57863A}" type="datetimeFigureOut">
               <a:rPr lang="en-CA" smtClean="0"/>
-              <a:t>2023-08-11</a:t>
+              <a:t>2023-08-31</a:t>
             </a:fld>
             <a:endParaRPr lang="en-CA"/>
           </a:p>
@@ -1310,7 +1334,7 @@
           <a:p>
             <a:fld id="{F6929F03-BFF4-4D7F-B4B7-038F2A57863A}" type="datetimeFigureOut">
               <a:rPr lang="en-CA" smtClean="0"/>
-              <a:t>2023-08-11</a:t>
+              <a:t>2023-08-31</a:t>
             </a:fld>
             <a:endParaRPr lang="en-CA"/>
           </a:p>
@@ -1677,7 +1701,7 @@
           <a:p>
             <a:fld id="{F6929F03-BFF4-4D7F-B4B7-038F2A57863A}" type="datetimeFigureOut">
               <a:rPr lang="en-CA" smtClean="0"/>
-              <a:t>2023-08-11</a:t>
+              <a:t>2023-08-31</a:t>
             </a:fld>
             <a:endParaRPr lang="en-CA"/>
           </a:p>
@@ -1795,7 +1819,7 @@
           <a:p>
             <a:fld id="{F6929F03-BFF4-4D7F-B4B7-038F2A57863A}" type="datetimeFigureOut">
               <a:rPr lang="en-CA" smtClean="0"/>
-              <a:t>2023-08-11</a:t>
+              <a:t>2023-08-31</a:t>
             </a:fld>
             <a:endParaRPr lang="en-CA"/>
           </a:p>
@@ -1890,7 +1914,7 @@
           <a:p>
             <a:fld id="{F6929F03-BFF4-4D7F-B4B7-038F2A57863A}" type="datetimeFigureOut">
               <a:rPr lang="en-CA" smtClean="0"/>
-              <a:t>2023-08-11</a:t>
+              <a:t>2023-08-31</a:t>
             </a:fld>
             <a:endParaRPr lang="en-CA"/>
           </a:p>
@@ -2167,7 +2191,7 @@
           <a:p>
             <a:fld id="{F6929F03-BFF4-4D7F-B4B7-038F2A57863A}" type="datetimeFigureOut">
               <a:rPr lang="en-CA" smtClean="0"/>
-              <a:t>2023-08-11</a:t>
+              <a:t>2023-08-31</a:t>
             </a:fld>
             <a:endParaRPr lang="en-CA"/>
           </a:p>
@@ -2424,7 +2448,7 @@
           <a:p>
             <a:fld id="{F6929F03-BFF4-4D7F-B4B7-038F2A57863A}" type="datetimeFigureOut">
               <a:rPr lang="en-CA" smtClean="0"/>
-              <a:t>2023-08-11</a:t>
+              <a:t>2023-08-31</a:t>
             </a:fld>
             <a:endParaRPr lang="en-CA"/>
           </a:p>
@@ -2637,7 +2661,7 @@
           <a:p>
             <a:fld id="{F6929F03-BFF4-4D7F-B4B7-038F2A57863A}" type="datetimeFigureOut">
               <a:rPr lang="en-CA" smtClean="0"/>
-              <a:t>2023-08-11</a:t>
+              <a:t>2023-08-31</a:t>
             </a:fld>
             <a:endParaRPr lang="en-CA"/>
           </a:p>
@@ -3092,8 +3116,8 @@
         </p:nvSpPr>
         <p:spPr>
           <a:xfrm>
-            <a:off x="11516291" y="3294100"/>
-            <a:ext cx="18158304" cy="2215991"/>
+            <a:off x="13808016" y="3294100"/>
+            <a:ext cx="13574871" cy="2215991"/>
           </a:xfrm>
           <a:prstGeom prst="rect">
             <a:avLst/>
@@ -3135,7 +3159,7 @@
                   </a:outerShdw>
                 </a:effectLst>
               </a:rPr>
-              <a:t>TÍTULO DO REPOSITÓRIO</a:t>
+              <a:t>TRABALHO DE NLP</a:t>
             </a:r>
           </a:p>
         </p:txBody>
@@ -3154,8 +3178,8 @@
         </p:nvSpPr>
         <p:spPr>
           <a:xfrm>
-            <a:off x="16112765" y="5532316"/>
-            <a:ext cx="8965339" cy="1569660"/>
+            <a:off x="13341370" y="5532316"/>
+            <a:ext cx="14508139" cy="1569660"/>
           </a:xfrm>
           <a:prstGeom prst="rect">
             <a:avLst/>
@@ -3197,8 +3221,85 @@
                   </a:outerShdw>
                 </a:effectLst>
               </a:rPr>
-              <a:t>Nome da Matéria</a:t>
-            </a:r>
+              <a:t>Natural </a:t>
+            </a:r>
+            <a:r>
+              <a:rPr lang="pt-BR" sz="9600" dirty="0" err="1">
+                <a:ln>
+                  <a:solidFill>
+                    <a:srgbClr val="FFA716"/>
+                  </a:solidFill>
+                </a:ln>
+                <a:solidFill>
+                  <a:srgbClr val="FFA716"/>
+                </a:solidFill>
+                <a:effectLst>
+                  <a:outerShdw blurRad="60007" dist="310007" dir="7680000" sy="30000" kx="1300200" algn="ctr" rotWithShape="0">
+                    <a:prstClr val="black">
+                      <a:alpha val="32000"/>
+                    </a:prstClr>
+                  </a:outerShdw>
+                </a:effectLst>
+              </a:rPr>
+              <a:t>Language</a:t>
+            </a:r>
+            <a:r>
+              <a:rPr lang="pt-BR" sz="9600" dirty="0">
+                <a:ln>
+                  <a:solidFill>
+                    <a:srgbClr val="FFA716"/>
+                  </a:solidFill>
+                </a:ln>
+                <a:solidFill>
+                  <a:srgbClr val="FFA716"/>
+                </a:solidFill>
+                <a:effectLst>
+                  <a:outerShdw blurRad="60007" dist="310007" dir="7680000" sy="30000" kx="1300200" algn="ctr" rotWithShape="0">
+                    <a:prstClr val="black">
+                      <a:alpha val="32000"/>
+                    </a:prstClr>
+                  </a:outerShdw>
+                </a:effectLst>
+              </a:rPr>
+              <a:t> </a:t>
+            </a:r>
+            <a:r>
+              <a:rPr lang="pt-BR" sz="9600" dirty="0" err="1">
+                <a:ln>
+                  <a:solidFill>
+                    <a:srgbClr val="FFA716"/>
+                  </a:solidFill>
+                </a:ln>
+                <a:solidFill>
+                  <a:srgbClr val="FFA716"/>
+                </a:solidFill>
+                <a:effectLst>
+                  <a:outerShdw blurRad="60007" dist="310007" dir="7680000" sy="30000" kx="1300200" algn="ctr" rotWithShape="0">
+                    <a:prstClr val="black">
+                      <a:alpha val="32000"/>
+                    </a:prstClr>
+                  </a:outerShdw>
+                </a:effectLst>
+              </a:rPr>
+              <a:t>Processing</a:t>
+            </a:r>
+            <a:endParaRPr lang="pt-BR" sz="9600" dirty="0">
+              <a:ln>
+                <a:solidFill>
+                  <a:srgbClr val="FFA716"/>
+                </a:solidFill>
+              </a:ln>
+              <a:solidFill>
+                <a:srgbClr val="FFA716"/>
+              </a:solidFill>
+              <a:effectLst>
+                <a:outerShdw blurRad="60007" dist="310007" dir="7680000" sy="30000" kx="1300200" algn="ctr" rotWithShape="0">
+                  <a:prstClr val="black">
+                    <a:alpha val="32000"/>
+                  </a:prstClr>
+                </a:outerShdw>
+              </a:effectLst>
+            </a:endParaRPr>
           </a:p>
         </p:txBody>
       </p:sp>
